--- a/003/lesson_3.pptx
+++ b/003/lesson_3.pptx
@@ -16752,7 +16752,7 @@
         </p:nvSpPr>
         <p:spPr>
           <a:xfrm>
-            <a:off x="1217550" y="2238217"/>
+            <a:off x="684150" y="2238217"/>
             <a:ext cx="10353886" cy="4138519"/>
           </a:xfrm>
         </p:spPr>
@@ -16997,7 +16997,7 @@
                   <a:schemeClr val="bg2"/>
                 </a:solidFill>
               </a:rPr>
-              <a:t>-1)		</a:t>
+              <a:t>-1)	</a:t>
             </a:r>
             <a:r>
               <a:rPr lang="de-DE" sz="2000" dirty="0">
@@ -17024,6 +17024,53 @@
           </a:p>
         </p:txBody>
       </p:sp>
+      <p:pic>
+        <p:nvPicPr>
+          <p:cNvPr id="1026" name="Picture 2">
+            <a:extLst>
+              <a:ext uri="{FF2B5EF4-FFF2-40B4-BE49-F238E27FC236}">
+                <a16:creationId xmlns:a16="http://schemas.microsoft.com/office/drawing/2014/main" id="{FD1F3A41-B07F-9473-725E-282CBCA43713}"/>
+              </a:ext>
+            </a:extLst>
+          </p:cNvPr>
+          <p:cNvPicPr>
+            <a:picLocks noChangeAspect="1" noChangeArrowheads="1"/>
+          </p:cNvPicPr>
+          <p:nvPr/>
+        </p:nvPicPr>
+        <p:blipFill>
+          <a:blip r:embed="rId2">
+            <a:extLst>
+              <a:ext uri="{28A0092B-C50C-407E-A947-70E740481C1C}">
+                <a14:useLocalDpi xmlns:a14="http://schemas.microsoft.com/office/drawing/2010/main" val="0"/>
+              </a:ext>
+            </a:extLst>
+          </a:blip>
+          <a:srcRect/>
+          <a:stretch>
+            <a:fillRect/>
+          </a:stretch>
+        </p:blipFill>
+        <p:spPr bwMode="auto">
+          <a:xfrm>
+            <a:off x="6681380" y="481265"/>
+            <a:ext cx="5023204" cy="3212946"/>
+          </a:xfrm>
+          <a:prstGeom prst="rect">
+            <a:avLst/>
+          </a:prstGeom>
+          <a:noFill/>
+          <a:extLst>
+            <a:ext uri="{909E8E84-426E-40DD-AFC4-6F175D3DCCD1}">
+              <a14:hiddenFill xmlns:a14="http://schemas.microsoft.com/office/drawing/2010/main">
+                <a:solidFill>
+                  <a:srgbClr val="FFFFFF"/>
+                </a:solidFill>
+              </a14:hiddenFill>
+            </a:ext>
+          </a:extLst>
+        </p:spPr>
+      </p:pic>
     </p:spTree>
     <p:extLst>
       <p:ext uri="{BB962C8B-B14F-4D97-AF65-F5344CB8AC3E}">
@@ -17728,16 +17775,36 @@
             </a:r>
             <a:endParaRPr lang="en-US" sz="1600" dirty="0"/>
           </a:p>
+        </p:txBody>
+      </p:sp>
+      <p:sp>
+        <p:nvSpPr>
+          <p:cNvPr id="2" name="TextBox 1">
+            <a:extLst>
+              <a:ext uri="{FF2B5EF4-FFF2-40B4-BE49-F238E27FC236}">
+                <a16:creationId xmlns:a16="http://schemas.microsoft.com/office/drawing/2014/main" id="{578CE7F5-FA78-0BB4-A557-96CAF263549D}"/>
+              </a:ext>
+            </a:extLst>
+          </p:cNvPr>
+          <p:cNvSpPr txBox="1"/>
+          <p:nvPr/>
+        </p:nvSpPr>
+        <p:spPr>
+          <a:xfrm>
+            <a:off x="1217550" y="3523024"/>
+            <a:ext cx="4940135" cy="2308324"/>
+          </a:xfrm>
+          <a:prstGeom prst="rect">
+            <a:avLst/>
+          </a:prstGeom>
+          <a:noFill/>
+        </p:spPr>
+        <p:txBody>
+          <a:bodyPr wrap="square" rtlCol="0">
+            <a:spAutoFit/>
+          </a:bodyPr>
+          <a:lstStyle/>
           <a:p>
-            <a:pPr marL="0" lvl="0" indent="0" algn="l" rtl="0">
-              <a:spcBef>
-                <a:spcPts val="0"/>
-              </a:spcBef>
-              <a:spcAft>
-                <a:spcPts val="2100"/>
-              </a:spcAft>
-              <a:buNone/>
-            </a:pPr>
             <a:r>
               <a:rPr lang="en-US" sz="1600" u="sng" dirty="0" err="1">
                 <a:solidFill>
@@ -17745,6 +17812,8 @@
                     <a:lumMod val="65000"/>
                   </a:schemeClr>
                 </a:solidFill>
+                <a:latin typeface="Roboto Mono" pitchFamily="49" charset="0"/>
+                <a:ea typeface="Roboto Mono" pitchFamily="49" charset="0"/>
               </a:rPr>
               <a:t>Hinweis</a:t>
             </a:r>
@@ -17755,6 +17824,8 @@
                     <a:lumMod val="65000"/>
                   </a:schemeClr>
                 </a:solidFill>
+                <a:latin typeface="Roboto Mono" pitchFamily="49" charset="0"/>
+                <a:ea typeface="Roboto Mono" pitchFamily="49" charset="0"/>
               </a:rPr>
               <a:t> (Pseudocode):</a:t>
             </a:r>
@@ -17765,6 +17836,8 @@
                     <a:lumMod val="65000"/>
                   </a:schemeClr>
                 </a:solidFill>
+                <a:latin typeface="Roboto Mono" pitchFamily="49" charset="0"/>
+                <a:ea typeface="Roboto Mono" pitchFamily="49" charset="0"/>
               </a:rPr>
             </a:br>
             <a:r>
@@ -17774,6 +17847,8 @@
                     <a:lumMod val="65000"/>
                   </a:schemeClr>
                 </a:solidFill>
+                <a:latin typeface="Roboto Mono" pitchFamily="49" charset="0"/>
+                <a:ea typeface="Roboto Mono" pitchFamily="49" charset="0"/>
               </a:rPr>
               <a:t>ggT</a:t>
             </a:r>
@@ -17784,6 +17859,8 @@
                     <a:lumMod val="65000"/>
                   </a:schemeClr>
                 </a:solidFill>
+                <a:latin typeface="Roboto Mono" pitchFamily="49" charset="0"/>
+                <a:ea typeface="Roboto Mono" pitchFamily="49" charset="0"/>
               </a:rPr>
               <a:t>(</a:t>
             </a:r>
@@ -17794,6 +17871,8 @@
                     <a:lumMod val="65000"/>
                   </a:schemeClr>
                 </a:solidFill>
+                <a:latin typeface="Roboto Mono" pitchFamily="49" charset="0"/>
+                <a:ea typeface="Roboto Mono" pitchFamily="49" charset="0"/>
               </a:rPr>
               <a:t>m,n</a:t>
             </a:r>
@@ -17804,11 +17883,16 @@
                     <a:lumMod val="65000"/>
                   </a:schemeClr>
                 </a:solidFill>
+                <a:latin typeface="Roboto Mono" pitchFamily="49" charset="0"/>
+                <a:ea typeface="Roboto Mono" pitchFamily="49" charset="0"/>
               </a:rPr>
               <a:t>):</a:t>
             </a:r>
             <a:br>
-              <a:rPr lang="en-US" sz="1600" dirty="0"/>
+              <a:rPr lang="en-US" sz="1600" dirty="0">
+                <a:latin typeface="Roboto Mono" pitchFamily="49" charset="0"/>
+                <a:ea typeface="Roboto Mono" pitchFamily="49" charset="0"/>
+              </a:rPr>
             </a:br>
             <a:r>
               <a:rPr lang="en-US" sz="1600" dirty="0" err="1">
@@ -17817,6 +17901,8 @@
                     <a:lumMod val="65000"/>
                   </a:schemeClr>
                 </a:solidFill>
+                <a:latin typeface="Roboto Mono" pitchFamily="49" charset="0"/>
+                <a:ea typeface="Roboto Mono" pitchFamily="49" charset="0"/>
               </a:rPr>
               <a:t>wenn</a:t>
             </a:r>
@@ -17827,6 +17913,8 @@
                     <a:lumMod val="65000"/>
                   </a:schemeClr>
                 </a:solidFill>
+                <a:latin typeface="Roboto Mono" pitchFamily="49" charset="0"/>
+                <a:ea typeface="Roboto Mono" pitchFamily="49" charset="0"/>
               </a:rPr>
               <a:t> m=n </a:t>
             </a:r>
@@ -17837,6 +17925,8 @@
                     <a:lumMod val="65000"/>
                   </a:schemeClr>
                 </a:solidFill>
+                <a:latin typeface="Roboto Mono" pitchFamily="49" charset="0"/>
+                <a:ea typeface="Roboto Mono" pitchFamily="49" charset="0"/>
               </a:rPr>
               <a:t>dann</a:t>
             </a:r>
@@ -17847,6 +17937,8 @@
                     <a:lumMod val="65000"/>
                   </a:schemeClr>
                 </a:solidFill>
+                <a:latin typeface="Roboto Mono" pitchFamily="49" charset="0"/>
+                <a:ea typeface="Roboto Mono" pitchFamily="49" charset="0"/>
               </a:rPr>
             </a:br>
             <a:r>
@@ -17856,6 +17948,8 @@
                     <a:lumMod val="65000"/>
                   </a:schemeClr>
                 </a:solidFill>
+                <a:latin typeface="Roboto Mono" pitchFamily="49" charset="0"/>
+                <a:ea typeface="Roboto Mono" pitchFamily="49" charset="0"/>
               </a:rPr>
               <a:t>	</a:t>
             </a:r>
@@ -17866,6 +17960,8 @@
                     <a:lumMod val="65000"/>
                   </a:schemeClr>
                 </a:solidFill>
+                <a:latin typeface="Roboto Mono" pitchFamily="49" charset="0"/>
+                <a:ea typeface="Roboto Mono" pitchFamily="49" charset="0"/>
               </a:rPr>
               <a:t>gebe</a:t>
             </a:r>
@@ -17876,6 +17972,8 @@
                     <a:lumMod val="65000"/>
                   </a:schemeClr>
                 </a:solidFill>
+                <a:latin typeface="Roboto Mono" pitchFamily="49" charset="0"/>
+                <a:ea typeface="Roboto Mono" pitchFamily="49" charset="0"/>
               </a:rPr>
               <a:t> m </a:t>
             </a:r>
@@ -17886,6 +17984,8 @@
                     <a:lumMod val="65000"/>
                   </a:schemeClr>
                 </a:solidFill>
+                <a:latin typeface="Roboto Mono" pitchFamily="49" charset="0"/>
+                <a:ea typeface="Roboto Mono" pitchFamily="49" charset="0"/>
               </a:rPr>
               <a:t>zurück</a:t>
             </a:r>
@@ -17896,6 +17996,8 @@
                     <a:lumMod val="65000"/>
                   </a:schemeClr>
                 </a:solidFill>
+                <a:latin typeface="Roboto Mono" pitchFamily="49" charset="0"/>
+                <a:ea typeface="Roboto Mono" pitchFamily="49" charset="0"/>
               </a:rPr>
             </a:br>
             <a:r>
@@ -17905,6 +18007,8 @@
                     <a:lumMod val="65000"/>
                   </a:schemeClr>
                 </a:solidFill>
+                <a:latin typeface="Roboto Mono" pitchFamily="49" charset="0"/>
+                <a:ea typeface="Roboto Mono" pitchFamily="49" charset="0"/>
               </a:rPr>
               <a:t>sonst</a:t>
             </a:r>
@@ -17915,6 +18019,8 @@
                     <a:lumMod val="65000"/>
                   </a:schemeClr>
                 </a:solidFill>
+                <a:latin typeface="Roboto Mono" pitchFamily="49" charset="0"/>
+                <a:ea typeface="Roboto Mono" pitchFamily="49" charset="0"/>
               </a:rPr>
               <a:t> </a:t>
             </a:r>
@@ -17925,6 +18031,8 @@
                     <a:lumMod val="65000"/>
                   </a:schemeClr>
                 </a:solidFill>
+                <a:latin typeface="Roboto Mono" pitchFamily="49" charset="0"/>
+                <a:ea typeface="Roboto Mono" pitchFamily="49" charset="0"/>
               </a:rPr>
               <a:t>wenn</a:t>
             </a:r>
@@ -17935,6 +18043,8 @@
                     <a:lumMod val="65000"/>
                   </a:schemeClr>
                 </a:solidFill>
+                <a:latin typeface="Roboto Mono" pitchFamily="49" charset="0"/>
+                <a:ea typeface="Roboto Mono" pitchFamily="49" charset="0"/>
               </a:rPr>
               <a:t> m&lt;n</a:t>
             </a:r>
@@ -17945,6 +18055,8 @@
                     <a:lumMod val="65000"/>
                   </a:schemeClr>
                 </a:solidFill>
+                <a:latin typeface="Roboto Mono" pitchFamily="49" charset="0"/>
+                <a:ea typeface="Roboto Mono" pitchFamily="49" charset="0"/>
               </a:rPr>
             </a:br>
             <a:r>
@@ -17954,6 +18066,8 @@
                     <a:lumMod val="65000"/>
                   </a:schemeClr>
                 </a:solidFill>
+                <a:latin typeface="Roboto Mono" pitchFamily="49" charset="0"/>
+                <a:ea typeface="Roboto Mono" pitchFamily="49" charset="0"/>
               </a:rPr>
               <a:t>	</a:t>
             </a:r>
@@ -17964,6 +18078,8 @@
                     <a:lumMod val="65000"/>
                   </a:schemeClr>
                 </a:solidFill>
+                <a:latin typeface="Roboto Mono" pitchFamily="49" charset="0"/>
+                <a:ea typeface="Roboto Mono" pitchFamily="49" charset="0"/>
               </a:rPr>
               <a:t>gebe</a:t>
             </a:r>
@@ -17974,6 +18090,8 @@
                     <a:lumMod val="65000"/>
                   </a:schemeClr>
                 </a:solidFill>
+                <a:latin typeface="Roboto Mono" pitchFamily="49" charset="0"/>
+                <a:ea typeface="Roboto Mono" pitchFamily="49" charset="0"/>
               </a:rPr>
               <a:t> </a:t>
             </a:r>
@@ -17984,6 +18102,8 @@
                     <a:lumMod val="65000"/>
                   </a:schemeClr>
                 </a:solidFill>
+                <a:latin typeface="Roboto Mono" pitchFamily="49" charset="0"/>
+                <a:ea typeface="Roboto Mono" pitchFamily="49" charset="0"/>
               </a:rPr>
               <a:t>ggT</a:t>
             </a:r>
@@ -17994,6 +18114,8 @@
                     <a:lumMod val="65000"/>
                   </a:schemeClr>
                 </a:solidFill>
+                <a:latin typeface="Roboto Mono" pitchFamily="49" charset="0"/>
+                <a:ea typeface="Roboto Mono" pitchFamily="49" charset="0"/>
               </a:rPr>
               <a:t>(m, n-m) </a:t>
             </a:r>
@@ -18004,6 +18126,8 @@
                     <a:lumMod val="65000"/>
                   </a:schemeClr>
                 </a:solidFill>
+                <a:latin typeface="Roboto Mono" pitchFamily="49" charset="0"/>
+                <a:ea typeface="Roboto Mono" pitchFamily="49" charset="0"/>
               </a:rPr>
               <a:t>zurück</a:t>
             </a:r>
@@ -18014,6 +18138,8 @@
                     <a:lumMod val="65000"/>
                   </a:schemeClr>
                 </a:solidFill>
+                <a:latin typeface="Roboto Mono" pitchFamily="49" charset="0"/>
+                <a:ea typeface="Roboto Mono" pitchFamily="49" charset="0"/>
               </a:rPr>
             </a:br>
             <a:r>
@@ -18023,6 +18149,8 @@
                     <a:lumMod val="65000"/>
                   </a:schemeClr>
                 </a:solidFill>
+                <a:latin typeface="Roboto Mono" pitchFamily="49" charset="0"/>
+                <a:ea typeface="Roboto Mono" pitchFamily="49" charset="0"/>
               </a:rPr>
               <a:t>sonst</a:t>
             </a:r>
@@ -18033,6 +18161,8 @@
                     <a:lumMod val="65000"/>
                   </a:schemeClr>
                 </a:solidFill>
+                <a:latin typeface="Roboto Mono" pitchFamily="49" charset="0"/>
+                <a:ea typeface="Roboto Mono" pitchFamily="49" charset="0"/>
               </a:rPr>
               <a:t> </a:t>
             </a:r>
@@ -18043,6 +18173,8 @@
                     <a:lumMod val="65000"/>
                   </a:schemeClr>
                 </a:solidFill>
+                <a:latin typeface="Roboto Mono" pitchFamily="49" charset="0"/>
+                <a:ea typeface="Roboto Mono" pitchFamily="49" charset="0"/>
               </a:rPr>
               <a:t>wenn</a:t>
             </a:r>
@@ -18053,6 +18185,8 @@
                     <a:lumMod val="65000"/>
                   </a:schemeClr>
                 </a:solidFill>
+                <a:latin typeface="Roboto Mono" pitchFamily="49" charset="0"/>
+                <a:ea typeface="Roboto Mono" pitchFamily="49" charset="0"/>
               </a:rPr>
               <a:t> n&lt;m</a:t>
             </a:r>
@@ -18063,6 +18197,8 @@
                     <a:lumMod val="65000"/>
                   </a:schemeClr>
                 </a:solidFill>
+                <a:latin typeface="Roboto Mono" pitchFamily="49" charset="0"/>
+                <a:ea typeface="Roboto Mono" pitchFamily="49" charset="0"/>
               </a:rPr>
             </a:br>
             <a:r>
@@ -18072,6 +18208,8 @@
                     <a:lumMod val="65000"/>
                   </a:schemeClr>
                 </a:solidFill>
+                <a:latin typeface="Roboto Mono" pitchFamily="49" charset="0"/>
+                <a:ea typeface="Roboto Mono" pitchFamily="49" charset="0"/>
               </a:rPr>
               <a:t>	</a:t>
             </a:r>
@@ -18082,6 +18220,8 @@
                     <a:lumMod val="65000"/>
                   </a:schemeClr>
                 </a:solidFill>
+                <a:latin typeface="Roboto Mono" pitchFamily="49" charset="0"/>
+                <a:ea typeface="Roboto Mono" pitchFamily="49" charset="0"/>
               </a:rPr>
               <a:t>gebe</a:t>
             </a:r>
@@ -18092,6 +18232,8 @@
                     <a:lumMod val="65000"/>
                   </a:schemeClr>
                 </a:solidFill>
+                <a:latin typeface="Roboto Mono" pitchFamily="49" charset="0"/>
+                <a:ea typeface="Roboto Mono" pitchFamily="49" charset="0"/>
               </a:rPr>
               <a:t> </a:t>
             </a:r>
@@ -18102,6 +18244,8 @@
                     <a:lumMod val="65000"/>
                   </a:schemeClr>
                 </a:solidFill>
+                <a:latin typeface="Roboto Mono" pitchFamily="49" charset="0"/>
+                <a:ea typeface="Roboto Mono" pitchFamily="49" charset="0"/>
               </a:rPr>
               <a:t>ggT</a:t>
             </a:r>
@@ -18112,6 +18256,8 @@
                     <a:lumMod val="65000"/>
                   </a:schemeClr>
                 </a:solidFill>
+                <a:latin typeface="Roboto Mono" pitchFamily="49" charset="0"/>
+                <a:ea typeface="Roboto Mono" pitchFamily="49" charset="0"/>
               </a:rPr>
               <a:t>(m-</a:t>
             </a:r>
@@ -18122,6 +18268,8 @@
                     <a:lumMod val="65000"/>
                   </a:schemeClr>
                 </a:solidFill>
+                <a:latin typeface="Roboto Mono" pitchFamily="49" charset="0"/>
+                <a:ea typeface="Roboto Mono" pitchFamily="49" charset="0"/>
               </a:rPr>
               <a:t>n,n</a:t>
             </a:r>
@@ -18132,6 +18280,8 @@
                     <a:lumMod val="65000"/>
                   </a:schemeClr>
                 </a:solidFill>
+                <a:latin typeface="Roboto Mono" pitchFamily="49" charset="0"/>
+                <a:ea typeface="Roboto Mono" pitchFamily="49" charset="0"/>
               </a:rPr>
               <a:t>) </a:t>
             </a:r>
@@ -18142,6 +18292,8 @@
                     <a:lumMod val="65000"/>
                   </a:schemeClr>
                 </a:solidFill>
+                <a:latin typeface="Roboto Mono" pitchFamily="49" charset="0"/>
+                <a:ea typeface="Roboto Mono" pitchFamily="49" charset="0"/>
               </a:rPr>
               <a:t>zurück</a:t>
             </a:r>
@@ -18151,6 +18303,14 @@
                   <a:lumMod val="65000"/>
                 </a:schemeClr>
               </a:solidFill>
+              <a:latin typeface="Roboto Mono" pitchFamily="49" charset="0"/>
+              <a:ea typeface="Roboto Mono" pitchFamily="49" charset="0"/>
+            </a:endParaRPr>
+          </a:p>
+          <a:p>
+            <a:endParaRPr lang="en-DE" sz="1600" dirty="0">
+              <a:latin typeface="Roboto Mono" pitchFamily="49" charset="0"/>
+              <a:ea typeface="Roboto Mono" pitchFamily="49" charset="0"/>
             </a:endParaRPr>
           </a:p>
         </p:txBody>
@@ -18160,6 +18320,84 @@
   <p:clrMapOvr>
     <a:masterClrMapping/>
   </p:clrMapOvr>
+  <p:timing>
+    <p:tnLst>
+      <p:par>
+        <p:cTn id="1" dur="indefinite" restart="never" nodeType="tmRoot">
+          <p:childTnLst>
+            <p:seq concurrent="1" nextAc="seek">
+              <p:cTn id="2" dur="indefinite" nodeType="mainSeq">
+                <p:childTnLst>
+                  <p:par>
+                    <p:cTn id="3" fill="hold">
+                      <p:stCondLst>
+                        <p:cond delay="indefinite"/>
+                      </p:stCondLst>
+                      <p:childTnLst>
+                        <p:par>
+                          <p:cTn id="4" fill="hold">
+                            <p:stCondLst>
+                              <p:cond delay="0"/>
+                            </p:stCondLst>
+                            <p:childTnLst>
+                              <p:par>
+                                <p:cTn id="5" presetID="1" presetClass="entr" presetSubtype="0" fill="hold" grpId="0" nodeType="clickEffect">
+                                  <p:stCondLst>
+                                    <p:cond delay="0"/>
+                                  </p:stCondLst>
+                                  <p:childTnLst>
+                                    <p:set>
+                                      <p:cBhvr>
+                                        <p:cTn id="6" dur="1" fill="hold">
+                                          <p:stCondLst>
+                                            <p:cond delay="0"/>
+                                          </p:stCondLst>
+                                        </p:cTn>
+                                        <p:tgtEl>
+                                          <p:spTgt spid="2"/>
+                                        </p:tgtEl>
+                                        <p:attrNameLst>
+                                          <p:attrName>style.visibility</p:attrName>
+                                        </p:attrNameLst>
+                                      </p:cBhvr>
+                                      <p:to>
+                                        <p:strVal val="visible"/>
+                                      </p:to>
+                                    </p:set>
+                                  </p:childTnLst>
+                                </p:cTn>
+                              </p:par>
+                            </p:childTnLst>
+                          </p:cTn>
+                        </p:par>
+                      </p:childTnLst>
+                    </p:cTn>
+                  </p:par>
+                </p:childTnLst>
+              </p:cTn>
+              <p:prevCondLst>
+                <p:cond evt="onPrev" delay="0">
+                  <p:tgtEl>
+                    <p:sldTgt/>
+                  </p:tgtEl>
+                </p:cond>
+              </p:prevCondLst>
+              <p:nextCondLst>
+                <p:cond evt="onNext" delay="0">
+                  <p:tgtEl>
+                    <p:sldTgt/>
+                  </p:tgtEl>
+                </p:cond>
+              </p:nextCondLst>
+            </p:seq>
+          </p:childTnLst>
+        </p:cTn>
+      </p:par>
+    </p:tnLst>
+    <p:bldLst>
+      <p:bldP spid="2" grpId="0"/>
+    </p:bldLst>
+  </p:timing>
 </p:sld>
 </file>
 
@@ -18480,16 +18718,36 @@
             </a:r>
             <a:endParaRPr lang="en-US" sz="1600" dirty="0"/>
           </a:p>
+        </p:txBody>
+      </p:sp>
+      <p:sp>
+        <p:nvSpPr>
+          <p:cNvPr id="2" name="TextBox 1">
+            <a:extLst>
+              <a:ext uri="{FF2B5EF4-FFF2-40B4-BE49-F238E27FC236}">
+                <a16:creationId xmlns:a16="http://schemas.microsoft.com/office/drawing/2014/main" id="{303BAB05-3289-E96D-1C29-2E4D1C8CC590}"/>
+              </a:ext>
+            </a:extLst>
+          </p:cNvPr>
+          <p:cNvSpPr txBox="1"/>
+          <p:nvPr/>
+        </p:nvSpPr>
+        <p:spPr>
+          <a:xfrm>
+            <a:off x="1128156" y="3610099"/>
+            <a:ext cx="7077693" cy="1815882"/>
+          </a:xfrm>
+          <a:prstGeom prst="rect">
+            <a:avLst/>
+          </a:prstGeom>
+          <a:noFill/>
+        </p:spPr>
+        <p:txBody>
+          <a:bodyPr wrap="square" rtlCol="0">
+            <a:spAutoFit/>
+          </a:bodyPr>
+          <a:lstStyle/>
           <a:p>
-            <a:pPr marL="0" lvl="0" indent="0" algn="l" rtl="0">
-              <a:spcBef>
-                <a:spcPts val="0"/>
-              </a:spcBef>
-              <a:spcAft>
-                <a:spcPts val="2100"/>
-              </a:spcAft>
-              <a:buNone/>
-            </a:pPr>
             <a:r>
               <a:rPr lang="en-US" sz="1600" u="sng" dirty="0" err="1">
                 <a:solidFill>
@@ -18497,6 +18755,8 @@
                     <a:lumMod val="65000"/>
                   </a:schemeClr>
                 </a:solidFill>
+                <a:latin typeface="Roboto Mono" pitchFamily="49" charset="0"/>
+                <a:ea typeface="Roboto Mono" pitchFamily="49" charset="0"/>
               </a:rPr>
               <a:t>Hinweis</a:t>
             </a:r>
@@ -18507,6 +18767,8 @@
                     <a:lumMod val="65000"/>
                   </a:schemeClr>
                 </a:solidFill>
+                <a:latin typeface="Roboto Mono" pitchFamily="49" charset="0"/>
+                <a:ea typeface="Roboto Mono" pitchFamily="49" charset="0"/>
               </a:rPr>
               <a:t> (Pseudocode):</a:t>
             </a:r>
@@ -18517,6 +18779,8 @@
                     <a:lumMod val="65000"/>
                   </a:schemeClr>
                 </a:solidFill>
+                <a:latin typeface="Roboto Mono" pitchFamily="49" charset="0"/>
+                <a:ea typeface="Roboto Mono" pitchFamily="49" charset="0"/>
               </a:rPr>
             </a:br>
             <a:r>
@@ -18526,6 +18790,8 @@
                     <a:lumMod val="65000"/>
                   </a:schemeClr>
                 </a:solidFill>
+                <a:latin typeface="Roboto Mono" pitchFamily="49" charset="0"/>
+                <a:ea typeface="Roboto Mono" pitchFamily="49" charset="0"/>
               </a:rPr>
               <a:t>euklid</a:t>
             </a:r>
@@ -18536,6 +18802,8 @@
                     <a:lumMod val="65000"/>
                   </a:schemeClr>
                 </a:solidFill>
+                <a:latin typeface="Roboto Mono" pitchFamily="49" charset="0"/>
+                <a:ea typeface="Roboto Mono" pitchFamily="49" charset="0"/>
               </a:rPr>
               <a:t>(</a:t>
             </a:r>
@@ -18546,6 +18814,8 @@
                     <a:lumMod val="65000"/>
                   </a:schemeClr>
                 </a:solidFill>
+                <a:latin typeface="Roboto Mono" pitchFamily="49" charset="0"/>
+                <a:ea typeface="Roboto Mono" pitchFamily="49" charset="0"/>
               </a:rPr>
               <a:t>m,n</a:t>
             </a:r>
@@ -18556,6 +18826,8 @@
                     <a:lumMod val="65000"/>
                   </a:schemeClr>
                 </a:solidFill>
+                <a:latin typeface="Roboto Mono" pitchFamily="49" charset="0"/>
+                <a:ea typeface="Roboto Mono" pitchFamily="49" charset="0"/>
               </a:rPr>
               <a:t>)</a:t>
             </a:r>
@@ -18566,6 +18838,8 @@
                     <a:lumMod val="65000"/>
                   </a:schemeClr>
                 </a:solidFill>
+                <a:latin typeface="Roboto Mono" pitchFamily="49" charset="0"/>
+                <a:ea typeface="Roboto Mono" pitchFamily="49" charset="0"/>
               </a:rPr>
             </a:br>
             <a:r>
@@ -18575,6 +18849,8 @@
                     <a:lumMod val="65000"/>
                   </a:schemeClr>
                 </a:solidFill>
+                <a:latin typeface="Roboto Mono" pitchFamily="49" charset="0"/>
+                <a:ea typeface="Roboto Mono" pitchFamily="49" charset="0"/>
               </a:rPr>
               <a:t>wenn</a:t>
             </a:r>
@@ -18585,6 +18861,8 @@
                     <a:lumMod val="65000"/>
                   </a:schemeClr>
                 </a:solidFill>
+                <a:latin typeface="Roboto Mono" pitchFamily="49" charset="0"/>
+                <a:ea typeface="Roboto Mono" pitchFamily="49" charset="0"/>
               </a:rPr>
               <a:t> m </a:t>
             </a:r>
@@ -18595,6 +18873,8 @@
                     <a:lumMod val="65000"/>
                   </a:schemeClr>
                 </a:solidFill>
+                <a:latin typeface="Roboto Mono" pitchFamily="49" charset="0"/>
+                <a:ea typeface="Roboto Mono" pitchFamily="49" charset="0"/>
               </a:rPr>
               <a:t>geteil</a:t>
             </a:r>
@@ -18605,6 +18885,8 @@
                     <a:lumMod val="65000"/>
                   </a:schemeClr>
                 </a:solidFill>
+                <a:latin typeface="Roboto Mono" pitchFamily="49" charset="0"/>
+                <a:ea typeface="Roboto Mono" pitchFamily="49" charset="0"/>
               </a:rPr>
               <a:t> n</a:t>
             </a:r>
@@ -18615,6 +18897,8 @@
                     <a:lumMod val="65000"/>
                   </a:schemeClr>
                 </a:solidFill>
+                <a:latin typeface="Roboto Mono" pitchFamily="49" charset="0"/>
+                <a:ea typeface="Roboto Mono" pitchFamily="49" charset="0"/>
               </a:rPr>
             </a:br>
             <a:r>
@@ -18624,6 +18908,8 @@
                     <a:lumMod val="65000"/>
                   </a:schemeClr>
                 </a:solidFill>
+                <a:latin typeface="Roboto Mono" pitchFamily="49" charset="0"/>
+                <a:ea typeface="Roboto Mono" pitchFamily="49" charset="0"/>
               </a:rPr>
               <a:t>	</a:t>
             </a:r>
@@ -18634,6 +18920,8 @@
                     <a:lumMod val="65000"/>
                   </a:schemeClr>
                 </a:solidFill>
+                <a:latin typeface="Roboto Mono" pitchFamily="49" charset="0"/>
+                <a:ea typeface="Roboto Mono" pitchFamily="49" charset="0"/>
               </a:rPr>
               <a:t>gebe</a:t>
             </a:r>
@@ -18644,6 +18932,8 @@
                     <a:lumMod val="65000"/>
                   </a:schemeClr>
                 </a:solidFill>
+                <a:latin typeface="Roboto Mono" pitchFamily="49" charset="0"/>
+                <a:ea typeface="Roboto Mono" pitchFamily="49" charset="0"/>
               </a:rPr>
               <a:t> m </a:t>
             </a:r>
@@ -18654,6 +18944,8 @@
                     <a:lumMod val="65000"/>
                   </a:schemeClr>
                 </a:solidFill>
+                <a:latin typeface="Roboto Mono" pitchFamily="49" charset="0"/>
+                <a:ea typeface="Roboto Mono" pitchFamily="49" charset="0"/>
               </a:rPr>
               <a:t>zurück</a:t>
             </a:r>
@@ -18664,6 +18956,8 @@
                     <a:lumMod val="65000"/>
                   </a:schemeClr>
                 </a:solidFill>
+                <a:latin typeface="Roboto Mono" pitchFamily="49" charset="0"/>
+                <a:ea typeface="Roboto Mono" pitchFamily="49" charset="0"/>
               </a:rPr>
             </a:br>
             <a:r>
@@ -18673,6 +18967,8 @@
                     <a:lumMod val="65000"/>
                   </a:schemeClr>
                 </a:solidFill>
+                <a:latin typeface="Roboto Mono" pitchFamily="49" charset="0"/>
+                <a:ea typeface="Roboto Mono" pitchFamily="49" charset="0"/>
               </a:rPr>
               <a:t>sonst</a:t>
             </a:r>
@@ -18683,6 +18979,8 @@
                     <a:lumMod val="65000"/>
                   </a:schemeClr>
                 </a:solidFill>
+                <a:latin typeface="Roboto Mono" pitchFamily="49" charset="0"/>
+                <a:ea typeface="Roboto Mono" pitchFamily="49" charset="0"/>
               </a:rPr>
             </a:br>
             <a:r>
@@ -18692,6 +18990,8 @@
                     <a:lumMod val="65000"/>
                   </a:schemeClr>
                 </a:solidFill>
+                <a:latin typeface="Roboto Mono" pitchFamily="49" charset="0"/>
+                <a:ea typeface="Roboto Mono" pitchFamily="49" charset="0"/>
               </a:rPr>
               <a:t>	</a:t>
             </a:r>
@@ -18702,6 +19002,8 @@
                     <a:lumMod val="65000"/>
                   </a:schemeClr>
                 </a:solidFill>
+                <a:latin typeface="Roboto Mono" pitchFamily="49" charset="0"/>
+                <a:ea typeface="Roboto Mono" pitchFamily="49" charset="0"/>
               </a:rPr>
               <a:t>gebe</a:t>
             </a:r>
@@ -18712,6 +19014,8 @@
                     <a:lumMod val="65000"/>
                   </a:schemeClr>
                 </a:solidFill>
+                <a:latin typeface="Roboto Mono" pitchFamily="49" charset="0"/>
+                <a:ea typeface="Roboto Mono" pitchFamily="49" charset="0"/>
               </a:rPr>
               <a:t> </a:t>
             </a:r>
@@ -18722,6 +19026,8 @@
                     <a:lumMod val="65000"/>
                   </a:schemeClr>
                 </a:solidFill>
+                <a:latin typeface="Roboto Mono" pitchFamily="49" charset="0"/>
+                <a:ea typeface="Roboto Mono" pitchFamily="49" charset="0"/>
               </a:rPr>
               <a:t>euklid</a:t>
             </a:r>
@@ -18732,6 +19038,8 @@
                     <a:lumMod val="65000"/>
                   </a:schemeClr>
                 </a:solidFill>
+                <a:latin typeface="Roboto Mono" pitchFamily="49" charset="0"/>
+                <a:ea typeface="Roboto Mono" pitchFamily="49" charset="0"/>
               </a:rPr>
               <a:t>(rest von m </a:t>
             </a:r>
@@ -18742,6 +19050,8 @@
                     <a:lumMod val="65000"/>
                   </a:schemeClr>
                 </a:solidFill>
+                <a:latin typeface="Roboto Mono" pitchFamily="49" charset="0"/>
+                <a:ea typeface="Roboto Mono" pitchFamily="49" charset="0"/>
               </a:rPr>
               <a:t>geteil</a:t>
             </a:r>
@@ -18752,6 +19062,8 @@
                     <a:lumMod val="65000"/>
                   </a:schemeClr>
                 </a:solidFill>
+                <a:latin typeface="Roboto Mono" pitchFamily="49" charset="0"/>
+                <a:ea typeface="Roboto Mono" pitchFamily="49" charset="0"/>
               </a:rPr>
               <a:t> n, m) </a:t>
             </a:r>
@@ -18762,6 +19074,8 @@
                     <a:lumMod val="65000"/>
                   </a:schemeClr>
                 </a:solidFill>
+                <a:latin typeface="Roboto Mono" pitchFamily="49" charset="0"/>
+                <a:ea typeface="Roboto Mono" pitchFamily="49" charset="0"/>
               </a:rPr>
               <a:t>zurück</a:t>
             </a:r>
@@ -18771,6 +19085,14 @@
                   <a:lumMod val="65000"/>
                 </a:schemeClr>
               </a:solidFill>
+              <a:latin typeface="Roboto Mono" pitchFamily="49" charset="0"/>
+              <a:ea typeface="Roboto Mono" pitchFamily="49" charset="0"/>
+            </a:endParaRPr>
+          </a:p>
+          <a:p>
+            <a:endParaRPr lang="en-DE" sz="1600" dirty="0">
+              <a:latin typeface="Roboto Mono" pitchFamily="49" charset="0"/>
+              <a:ea typeface="Roboto Mono" pitchFamily="49" charset="0"/>
             </a:endParaRPr>
           </a:p>
         </p:txBody>
@@ -18785,6 +19107,84 @@
   <p:clrMapOvr>
     <a:masterClrMapping/>
   </p:clrMapOvr>
+  <p:timing>
+    <p:tnLst>
+      <p:par>
+        <p:cTn id="1" dur="indefinite" restart="never" nodeType="tmRoot">
+          <p:childTnLst>
+            <p:seq concurrent="1" nextAc="seek">
+              <p:cTn id="2" dur="indefinite" nodeType="mainSeq">
+                <p:childTnLst>
+                  <p:par>
+                    <p:cTn id="3" fill="hold">
+                      <p:stCondLst>
+                        <p:cond delay="indefinite"/>
+                      </p:stCondLst>
+                      <p:childTnLst>
+                        <p:par>
+                          <p:cTn id="4" fill="hold">
+                            <p:stCondLst>
+                              <p:cond delay="0"/>
+                            </p:stCondLst>
+                            <p:childTnLst>
+                              <p:par>
+                                <p:cTn id="5" presetID="1" presetClass="entr" presetSubtype="0" fill="hold" grpId="0" nodeType="clickEffect">
+                                  <p:stCondLst>
+                                    <p:cond delay="0"/>
+                                  </p:stCondLst>
+                                  <p:childTnLst>
+                                    <p:set>
+                                      <p:cBhvr>
+                                        <p:cTn id="6" dur="1" fill="hold">
+                                          <p:stCondLst>
+                                            <p:cond delay="0"/>
+                                          </p:stCondLst>
+                                        </p:cTn>
+                                        <p:tgtEl>
+                                          <p:spTgt spid="2"/>
+                                        </p:tgtEl>
+                                        <p:attrNameLst>
+                                          <p:attrName>style.visibility</p:attrName>
+                                        </p:attrNameLst>
+                                      </p:cBhvr>
+                                      <p:to>
+                                        <p:strVal val="visible"/>
+                                      </p:to>
+                                    </p:set>
+                                  </p:childTnLst>
+                                </p:cTn>
+                              </p:par>
+                            </p:childTnLst>
+                          </p:cTn>
+                        </p:par>
+                      </p:childTnLst>
+                    </p:cTn>
+                  </p:par>
+                </p:childTnLst>
+              </p:cTn>
+              <p:prevCondLst>
+                <p:cond evt="onPrev" delay="0">
+                  <p:tgtEl>
+                    <p:sldTgt/>
+                  </p:tgtEl>
+                </p:cond>
+              </p:prevCondLst>
+              <p:nextCondLst>
+                <p:cond evt="onNext" delay="0">
+                  <p:tgtEl>
+                    <p:sldTgt/>
+                  </p:tgtEl>
+                </p:cond>
+              </p:nextCondLst>
+            </p:seq>
+          </p:childTnLst>
+        </p:cTn>
+      </p:par>
+    </p:tnLst>
+    <p:bldLst>
+      <p:bldP spid="2" grpId="0"/>
+    </p:bldLst>
+  </p:timing>
 </p:sld>
 </file>
 

--- a/003/lesson_3.pptx
+++ b/003/lesson_3.pptx
@@ -29,29 +29,26 @@
   <p:notesSz cx="6858000" cy="9144000"/>
   <p:embeddedFontLst>
     <p:embeddedFont>
-      <p:font typeface="Abril Fatface" panose="02000503000000020003" pitchFamily="2" charset="77"/>
+      <p:font typeface="Abril Fatface" panose="02000503000000020003" pitchFamily="2" charset="0"/>
       <p:regular r:id="rId19"/>
     </p:embeddedFont>
     <p:embeddedFont>
-      <p:font typeface="Calibri" panose="020F0502020204030204" pitchFamily="34" charset="0"/>
+      <p:font typeface="Aldrich" panose="02000000000000000000" pitchFamily="2" charset="0"/>
       <p:regular r:id="rId20"/>
-      <p:bold r:id="rId21"/>
-      <p:italic r:id="rId22"/>
-      <p:boldItalic r:id="rId23"/>
     </p:embeddedFont>
     <p:embeddedFont>
       <p:font typeface="Roboto" panose="02000000000000000000" pitchFamily="2" charset="0"/>
-      <p:regular r:id="rId24"/>
-      <p:bold r:id="rId25"/>
-      <p:italic r:id="rId26"/>
-      <p:boldItalic r:id="rId27"/>
+      <p:regular r:id="rId21"/>
+      <p:bold r:id="rId22"/>
+      <p:italic r:id="rId23"/>
+      <p:boldItalic r:id="rId24"/>
     </p:embeddedFont>
     <p:embeddedFont>
-      <p:font typeface="Roboto Mono" pitchFamily="49" charset="0"/>
-      <p:regular r:id="rId28"/>
-      <p:bold r:id="rId29"/>
-      <p:italic r:id="rId30"/>
-      <p:boldItalic r:id="rId31"/>
+      <p:font typeface="Roboto Mono" panose="00000009000000000000" pitchFamily="49" charset="0"/>
+      <p:regular r:id="rId25"/>
+      <p:bold r:id="rId26"/>
+      <p:italic r:id="rId27"/>
+      <p:boldItalic r:id="rId28"/>
     </p:embeddedFont>
   </p:embeddedFontLst>
   <p:defaultTextStyle>
@@ -18453,8 +18450,8 @@
               <a:buNone/>
             </a:pPr>
             <a:r>
-              <a:rPr lang="en-US" dirty="0"/>
-              <a:t>CHALLANGE </a:t>
+              <a:rPr lang="en-US"/>
+              <a:t>CHALLENGE </a:t>
             </a:r>
             <a:r>
               <a:rPr lang="en" sz="6000" dirty="0">
